--- a/Pick&Place/PPT_Pick&Place.pptx
+++ b/Pick&Place/PPT_Pick&Place.pptx
@@ -12,11 +12,11 @@
   </p:handoutMasterIdLst>
   <p:sldIdLst>
     <p:sldId id="256" r:id="rId2"/>
-    <p:sldId id="347" r:id="rId3"/>
-    <p:sldId id="334" r:id="rId4"/>
-    <p:sldId id="345" r:id="rId5"/>
-    <p:sldId id="346" r:id="rId6"/>
-    <p:sldId id="336" r:id="rId7"/>
+    <p:sldId id="336" r:id="rId3"/>
+    <p:sldId id="347" r:id="rId4"/>
+    <p:sldId id="334" r:id="rId5"/>
+    <p:sldId id="345" r:id="rId6"/>
+    <p:sldId id="346" r:id="rId7"/>
   </p:sldIdLst>
   <p:sldSz cx="10969625" cy="6170613"/>
   <p:notesSz cx="7099300" cy="10234613"/>
@@ -264,7 +264,7 @@
             <a:fld id="{5988414E-10BF-430D-901C-31186D1CD5A4}" type="datetimeFigureOut">
               <a:rPr lang="it-IT" smtClean="0"/>
               <a:pPr/>
-              <a:t>25/03/20</a:t>
+              <a:t>26/03/2020</a:t>
             </a:fld>
             <a:endParaRPr lang="it-IT"/>
           </a:p>
@@ -331,7 +331,7 @@
             <a:fld id="{F5175897-76A6-49B1-9B04-0A5D70C62961}" type="slidenum">
               <a:rPr lang="it-IT" smtClean="0"/>
               <a:pPr/>
-              <a:t>‹#›</a:t>
+              <a:t>‹N›</a:t>
             </a:fld>
             <a:endParaRPr lang="it-IT"/>
           </a:p>
@@ -427,7 +427,7 @@
             <a:fld id="{4CBD9A54-6A76-489C-A8C4-223702353A26}" type="datetimeFigureOut">
               <a:rPr lang="it-IT" smtClean="0"/>
               <a:pPr/>
-              <a:t>25/03/20</a:t>
+              <a:t>26/03/2020</a:t>
             </a:fld>
             <a:endParaRPr lang="it-IT"/>
           </a:p>
@@ -588,7 +588,7 @@
             <a:fld id="{04A1B2FF-65AB-4A42-8832-F07E062D2F55}" type="slidenum">
               <a:rPr lang="it-IT" smtClean="0"/>
               <a:pPr/>
-              <a:t>‹#›</a:t>
+              <a:t>‹N›</a:t>
             </a:fld>
             <a:endParaRPr lang="it-IT"/>
           </a:p>
@@ -3511,17 +3511,17 @@
                   </a:outerShdw>
                 </a:effectLst>
               </a:rPr>
-              <a:t>Component Model</a:t>
+              <a:t>Requirements</a:t>
             </a:r>
           </a:p>
         </p:txBody>
       </p:sp>
       <p:pic>
         <p:nvPicPr>
-          <p:cNvPr id="3" name="Picture 2">
+          <p:cNvPr id="2" name="Immagine 1">
             <a:extLst>
               <a:ext uri="{FF2B5EF4-FFF2-40B4-BE49-F238E27FC236}">
-                <a16:creationId xmlns:a16="http://schemas.microsoft.com/office/drawing/2014/main" id="{20F25B28-E092-BD46-B472-1064518D309C}"/>
+                <a16:creationId xmlns:a16="http://schemas.microsoft.com/office/drawing/2014/main" id="{6EBEF6B9-A56D-4025-94B3-1A3ED801A4FE}"/>
               </a:ext>
             </a:extLst>
           </p:cNvPr>
@@ -3531,21 +3531,45 @@
           <p:nvPr/>
         </p:nvPicPr>
         <p:blipFill>
-          <a:blip r:embed="rId3">
-            <a:extLst>
-              <a:ext uri="{28A0092B-C50C-407E-A947-70E740481C1C}">
-                <a14:useLocalDpi xmlns:a14="http://schemas.microsoft.com/office/drawing/2010/main" val="0"/>
-              </a:ext>
-            </a:extLst>
-          </a:blip>
+          <a:blip r:embed="rId3"/>
           <a:stretch>
             <a:fillRect/>
           </a:stretch>
         </p:blipFill>
         <p:spPr>
           <a:xfrm>
-            <a:off x="0" y="1027944"/>
-            <a:ext cx="10969625" cy="4114725"/>
+            <a:off x="236221" y="588136"/>
+            <a:ext cx="4366260" cy="5164083"/>
+          </a:xfrm>
+          <a:prstGeom prst="rect">
+            <a:avLst/>
+          </a:prstGeom>
+        </p:spPr>
+      </p:pic>
+      <p:pic>
+        <p:nvPicPr>
+          <p:cNvPr id="4" name="Immagine 3">
+            <a:extLst>
+              <a:ext uri="{FF2B5EF4-FFF2-40B4-BE49-F238E27FC236}">
+                <a16:creationId xmlns:a16="http://schemas.microsoft.com/office/drawing/2014/main" id="{A1C1EC95-4A1A-4195-ACF7-88D4746EB36C}"/>
+              </a:ext>
+            </a:extLst>
+          </p:cNvPr>
+          <p:cNvPicPr>
+            <a:picLocks noChangeAspect="1"/>
+          </p:cNvPicPr>
+          <p:nvPr/>
+        </p:nvPicPr>
+        <p:blipFill>
+          <a:blip r:embed="rId4"/>
+          <a:stretch>
+            <a:fillRect/>
+          </a:stretch>
+        </p:blipFill>
+        <p:spPr>
+          <a:xfrm>
+            <a:off x="5393690" y="649096"/>
+            <a:ext cx="4288180" cy="3148465"/>
           </a:xfrm>
           <a:prstGeom prst="rect">
             <a:avLst/>
@@ -3555,7 +3579,7 @@
     </p:spTree>
     <p:extLst>
       <p:ext uri="{BB962C8B-B14F-4D97-AF65-F5344CB8AC3E}">
-        <p14:creationId xmlns:p14="http://schemas.microsoft.com/office/powerpoint/2010/main" val="197598312"/>
+        <p14:creationId xmlns:p14="http://schemas.microsoft.com/office/powerpoint/2010/main" val="739567943"/>
       </p:ext>
     </p:extLst>
   </p:cSld>
@@ -3652,7 +3676,7 @@
                   </a:outerShdw>
                 </a:effectLst>
               </a:rPr>
-              <a:t>Component Model - Warehouse</a:t>
+              <a:t>Component Model</a:t>
             </a:r>
           </a:p>
         </p:txBody>
@@ -3662,7 +3686,7 @@
           <p:cNvPr id="3" name="Picture 2">
             <a:extLst>
               <a:ext uri="{FF2B5EF4-FFF2-40B4-BE49-F238E27FC236}">
-                <a16:creationId xmlns:a16="http://schemas.microsoft.com/office/drawing/2014/main" id="{0F9F9066-03A1-2149-8EFA-B9A57E572587}"/>
+                <a16:creationId xmlns:a16="http://schemas.microsoft.com/office/drawing/2014/main" id="{20F25B28-E092-BD46-B472-1064518D309C}"/>
               </a:ext>
             </a:extLst>
           </p:cNvPr>
@@ -3685,8 +3709,8 @@
         </p:blipFill>
         <p:spPr>
           <a:xfrm>
-            <a:off x="0" y="435229"/>
-            <a:ext cx="10969625" cy="5300155"/>
+            <a:off x="0" y="1027944"/>
+            <a:ext cx="10969625" cy="4114725"/>
           </a:xfrm>
           <a:prstGeom prst="rect">
             <a:avLst/>
@@ -3696,7 +3720,7 @@
     </p:spTree>
     <p:extLst>
       <p:ext uri="{BB962C8B-B14F-4D97-AF65-F5344CB8AC3E}">
-        <p14:creationId xmlns:p14="http://schemas.microsoft.com/office/powerpoint/2010/main" val="2639925356"/>
+        <p14:creationId xmlns:p14="http://schemas.microsoft.com/office/powerpoint/2010/main" val="197598312"/>
       </p:ext>
     </p:extLst>
   </p:cSld>
@@ -3793,7 +3817,7 @@
                   </a:outerShdw>
                 </a:effectLst>
               </a:rPr>
-              <a:t>Component Model - Workspace</a:t>
+              <a:t>Component Model - Warehouse</a:t>
             </a:r>
           </a:p>
         </p:txBody>
@@ -3803,7 +3827,7 @@
           <p:cNvPr id="3" name="Picture 2">
             <a:extLst>
               <a:ext uri="{FF2B5EF4-FFF2-40B4-BE49-F238E27FC236}">
-                <a16:creationId xmlns:a16="http://schemas.microsoft.com/office/drawing/2014/main" id="{9520CE5B-AA61-D847-944B-38E3CDB46F03}"/>
+                <a16:creationId xmlns:a16="http://schemas.microsoft.com/office/drawing/2014/main" id="{0F9F9066-03A1-2149-8EFA-B9A57E572587}"/>
               </a:ext>
             </a:extLst>
           </p:cNvPr>
@@ -3826,8 +3850,8 @@
         </p:blipFill>
         <p:spPr>
           <a:xfrm>
-            <a:off x="0" y="413094"/>
-            <a:ext cx="10969625" cy="5344425"/>
+            <a:off x="0" y="435229"/>
+            <a:ext cx="10969625" cy="5300155"/>
           </a:xfrm>
           <a:prstGeom prst="rect">
             <a:avLst/>
@@ -3837,7 +3861,7 @@
     </p:spTree>
     <p:extLst>
       <p:ext uri="{BB962C8B-B14F-4D97-AF65-F5344CB8AC3E}">
-        <p14:creationId xmlns:p14="http://schemas.microsoft.com/office/powerpoint/2010/main" val="2781721672"/>
+        <p14:creationId xmlns:p14="http://schemas.microsoft.com/office/powerpoint/2010/main" val="2639925356"/>
       </p:ext>
     </p:extLst>
   </p:cSld>
@@ -3934,29 +3958,8 @@
                   </a:outerShdw>
                 </a:effectLst>
               </a:rPr>
-              <a:t>Component Model – </a:t>
-            </a:r>
-            <a:r>
-              <a:rPr lang="en-US" sz="2800" b="1" kern="0" dirty="0" err="1">
-                <a:effectLst>
-                  <a:outerShdw blurRad="38100" dist="38100" dir="2700000" algn="tl">
-                    <a:srgbClr val="000000">
-                      <a:alpha val="43137"/>
-                    </a:srgbClr>
-                  </a:outerShdw>
-                </a:effectLst>
-              </a:rPr>
-              <a:t>Pick&amp;Place</a:t>
-            </a:r>
-            <a:endParaRPr lang="en-US" sz="2800" b="1" kern="0" dirty="0">
-              <a:effectLst>
-                <a:outerShdw blurRad="38100" dist="38100" dir="2700000" algn="tl">
-                  <a:srgbClr val="000000">
-                    <a:alpha val="43137"/>
-                  </a:srgbClr>
-                </a:outerShdw>
-              </a:effectLst>
-            </a:endParaRPr>
+              <a:t>Component Model - Workspace</a:t>
+            </a:r>
           </a:p>
         </p:txBody>
       </p:sp>
@@ -3965,7 +3968,7 @@
           <p:cNvPr id="3" name="Picture 2">
             <a:extLst>
               <a:ext uri="{FF2B5EF4-FFF2-40B4-BE49-F238E27FC236}">
-                <a16:creationId xmlns:a16="http://schemas.microsoft.com/office/drawing/2014/main" id="{5DC3861F-8795-4348-9DED-78FB4298D16E}"/>
+                <a16:creationId xmlns:a16="http://schemas.microsoft.com/office/drawing/2014/main" id="{9520CE5B-AA61-D847-944B-38E3CDB46F03}"/>
               </a:ext>
             </a:extLst>
           </p:cNvPr>
@@ -3988,8 +3991,8 @@
         </p:blipFill>
         <p:spPr>
           <a:xfrm>
-            <a:off x="0" y="424948"/>
-            <a:ext cx="10969625" cy="5320716"/>
+            <a:off x="0" y="413094"/>
+            <a:ext cx="10969625" cy="5344425"/>
           </a:xfrm>
           <a:prstGeom prst="rect">
             <a:avLst/>
@@ -3999,7 +4002,7 @@
     </p:spTree>
     <p:extLst>
       <p:ext uri="{BB962C8B-B14F-4D97-AF65-F5344CB8AC3E}">
-        <p14:creationId xmlns:p14="http://schemas.microsoft.com/office/powerpoint/2010/main" val="2641628644"/>
+        <p14:creationId xmlns:p14="http://schemas.microsoft.com/office/powerpoint/2010/main" val="2781721672"/>
       </p:ext>
     </p:extLst>
   </p:cSld>
@@ -4096,8 +4099,29 @@
                   </a:outerShdw>
                 </a:effectLst>
               </a:rPr>
-              <a:t>Requirements</a:t>
-            </a:r>
+              <a:t>Component Model – </a:t>
+            </a:r>
+            <a:r>
+              <a:rPr lang="en-US" sz="2800" b="1" kern="0" dirty="0" err="1">
+                <a:effectLst>
+                  <a:outerShdw blurRad="38100" dist="38100" dir="2700000" algn="tl">
+                    <a:srgbClr val="000000">
+                      <a:alpha val="43137"/>
+                    </a:srgbClr>
+                  </a:outerShdw>
+                </a:effectLst>
+              </a:rPr>
+              <a:t>Pick&amp;Place</a:t>
+            </a:r>
+            <a:endParaRPr lang="en-US" sz="2800" b="1" kern="0" dirty="0">
+              <a:effectLst>
+                <a:outerShdw blurRad="38100" dist="38100" dir="2700000" algn="tl">
+                  <a:srgbClr val="000000">
+                    <a:alpha val="43137"/>
+                  </a:srgbClr>
+                </a:outerShdw>
+              </a:effectLst>
+            </a:endParaRPr>
           </a:p>
         </p:txBody>
       </p:sp>
@@ -4106,7 +4130,7 @@
           <p:cNvPr id="3" name="Picture 2">
             <a:extLst>
               <a:ext uri="{FF2B5EF4-FFF2-40B4-BE49-F238E27FC236}">
-                <a16:creationId xmlns:a16="http://schemas.microsoft.com/office/drawing/2014/main" id="{1D8D938E-F124-A544-834A-F203D10D8205}"/>
+                <a16:creationId xmlns:a16="http://schemas.microsoft.com/office/drawing/2014/main" id="{5DC3861F-8795-4348-9DED-78FB4298D16E}"/>
               </a:ext>
             </a:extLst>
           </p:cNvPr>
@@ -4129,8 +4153,8 @@
         </p:blipFill>
         <p:spPr>
           <a:xfrm>
-            <a:off x="2393587" y="535811"/>
-            <a:ext cx="6000206" cy="5098989"/>
+            <a:off x="0" y="424948"/>
+            <a:ext cx="10969625" cy="5320716"/>
           </a:xfrm>
           <a:prstGeom prst="rect">
             <a:avLst/>
@@ -4140,7 +4164,7 @@
     </p:spTree>
     <p:extLst>
       <p:ext uri="{BB962C8B-B14F-4D97-AF65-F5344CB8AC3E}">
-        <p14:creationId xmlns:p14="http://schemas.microsoft.com/office/powerpoint/2010/main" val="739567943"/>
+        <p14:creationId xmlns:p14="http://schemas.microsoft.com/office/powerpoint/2010/main" val="2641628644"/>
       </p:ext>
     </p:extLst>
   </p:cSld>
